--- a/FINANCE TRACKER PROJECT DOCUMENTATION.pptx
+++ b/FINANCE TRACKER PROJECT DOCUMENTATION.pptx
@@ -7625,60 +7625,36 @@
           </a:p>
         </p:txBody>
       </p:sp>
-      <p:sp>
-        <p:nvSpPr>
-          <p:cNvPr id="6" name="Rectangle 5">
+      <p:pic>
+        <p:nvPicPr>
+          <p:cNvPr id="3" name="Picture 2">
             <a:extLst>
               <a:ext uri="{FF2B5EF4-FFF2-40B4-BE49-F238E27FC236}">
-                <a16:creationId xmlns:a16="http://schemas.microsoft.com/office/drawing/2014/main" id="{3B7F6AB1-00E0-C56D-4BC6-78BBB15ACC7E}"/>
+                <a16:creationId xmlns:a16="http://schemas.microsoft.com/office/drawing/2014/main" id="{0AD8D7B8-E35C-9AAC-208B-D503537D88F5}"/>
               </a:ext>
             </a:extLst>
           </p:cNvPr>
-          <p:cNvSpPr/>
+          <p:cNvPicPr>
+            <a:picLocks noChangeAspect="1"/>
+          </p:cNvPicPr>
           <p:nvPr/>
-        </p:nvSpPr>
+        </p:nvPicPr>
+        <p:blipFill>
+          <a:blip r:embed="rId3"/>
+          <a:stretch>
+            <a:fillRect/>
+          </a:stretch>
+        </p:blipFill>
         <p:spPr>
           <a:xfrm>
-            <a:off x="1456841" y="1167779"/>
-            <a:ext cx="6548034" cy="3483567"/>
+            <a:off x="1781651" y="1302476"/>
+            <a:ext cx="5580697" cy="3157341"/>
           </a:xfrm>
           <a:prstGeom prst="rect">
             <a:avLst/>
           </a:prstGeom>
-          <a:noFill/>
-          <a:ln w="12700">
-            <a:solidFill>
-              <a:schemeClr val="bg1">
-                <a:lumMod val="85000"/>
-              </a:schemeClr>
-            </a:solidFill>
-          </a:ln>
         </p:spPr>
-        <p:style>
-          <a:lnRef idx="2">
-            <a:schemeClr val="accent1">
-              <a:shade val="15000"/>
-            </a:schemeClr>
-          </a:lnRef>
-          <a:fillRef idx="1">
-            <a:schemeClr val="accent1"/>
-          </a:fillRef>
-          <a:effectRef idx="0">
-            <a:schemeClr val="accent1"/>
-          </a:effectRef>
-          <a:fontRef idx="minor">
-            <a:schemeClr val="lt1"/>
-          </a:fontRef>
-        </p:style>
-        <p:txBody>
-          <a:bodyPr rtlCol="0" anchor="ctr"/>
-          <a:lstStyle/>
-          <a:p>
-            <a:pPr algn="ctr"/>
-            <a:endParaRPr lang="en-IN"/>
-          </a:p>
-        </p:txBody>
-      </p:sp>
+      </p:pic>
     </p:spTree>
     <p:extLst>
       <p:ext uri="{BB962C8B-B14F-4D97-AF65-F5344CB8AC3E}">
@@ -7768,7 +7744,7 @@
         <p:spPr>
           <a:xfrm>
             <a:off x="142495" y="1149763"/>
-            <a:ext cx="4445003" cy="307777"/>
+            <a:ext cx="4445003" cy="1272143"/>
           </a:xfrm>
           <a:prstGeom prst="rect">
             <a:avLst/>
@@ -7781,6 +7757,19 @@
           </a:bodyPr>
           <a:lstStyle/>
           <a:p>
+            <a:pPr marL="173736" indent="-173736" algn="just">
+              <a:spcAft>
+                <a:spcPts val="800"/>
+              </a:spcAft>
+              <a:buFont typeface="Arial" panose="020B0604020202020204" pitchFamily="34" charset="0"/>
+              <a:buChar char="•"/>
+            </a:pPr>
+            <a:r>
+              <a:rPr lang="en-GB" dirty="0"/>
+              <a:t>The Finance Tracker project successfully addresses the problem of personal finance management by offering an intuitive, easy-to-use, and feature-rich web application.</a:t>
+            </a:r>
+          </a:p>
+          <a:p>
             <a:pPr marL="173736" indent="-173736">
               <a:spcAft>
                 <a:spcPts val="800"/>
@@ -7788,12 +7777,9 @@
               <a:buFont typeface="Arial" panose="020B0604020202020204" pitchFamily="34" charset="0"/>
               <a:buChar char="•"/>
             </a:pPr>
-            <a:r>
-              <a:rPr lang="en-US" dirty="0">
-                <a:latin typeface="+mn-lt"/>
-              </a:rPr>
-              <a:t>XYZ</a:t>
-            </a:r>
+            <a:endParaRPr lang="en-US" dirty="0">
+              <a:latin typeface="+mn-lt"/>
+            </a:endParaRPr>
           </a:p>
         </p:txBody>
       </p:sp>
@@ -8767,10 +8753,10 @@
         </p:nvGrpSpPr>
         <p:grpSpPr>
           <a:xfrm>
-            <a:off x="735884" y="1338243"/>
-            <a:ext cx="7719937" cy="3323608"/>
-            <a:chOff x="712031" y="1234880"/>
-            <a:chExt cx="7719937" cy="3323608"/>
+            <a:off x="735884" y="1237958"/>
+            <a:ext cx="7719937" cy="3423894"/>
+            <a:chOff x="712031" y="1234879"/>
+            <a:chExt cx="7719937" cy="3323609"/>
           </a:xfrm>
         </p:grpSpPr>
         <p:grpSp>
@@ -8787,10 +8773,10 @@
           </p:nvGrpSpPr>
           <p:grpSpPr>
             <a:xfrm>
-              <a:off x="712031" y="1234880"/>
-              <a:ext cx="7719937" cy="643467"/>
-              <a:chOff x="712031" y="1234880"/>
-              <a:chExt cx="7719937" cy="643467"/>
+              <a:off x="712031" y="1234879"/>
+              <a:ext cx="7719937" cy="643468"/>
+              <a:chOff x="712031" y="1234879"/>
+              <a:chExt cx="7719937" cy="643468"/>
             </a:xfrm>
           </p:grpSpPr>
           <p:sp>
@@ -8807,8 +8793,8 @@
             </p:nvSpPr>
             <p:spPr>
               <a:xfrm>
-                <a:off x="1372430" y="1234880"/>
-                <a:ext cx="7059538" cy="643466"/>
+                <a:off x="1372430" y="1234879"/>
+                <a:ext cx="7059538" cy="643467"/>
               </a:xfrm>
               <a:prstGeom prst="rect">
                 <a:avLst/>
@@ -9075,6 +9061,25 @@
                   </a:defRPr>
                 </a:lvl9pPr>
               </a:lstStyle>
+              <a:p>
+                <a:pPr marL="91440"/>
+                <a:endParaRPr lang="en-GB" dirty="0">
+                  <a:solidFill>
+                    <a:schemeClr val="tx1"/>
+                  </a:solidFill>
+                </a:endParaRPr>
+              </a:p>
+              <a:p>
+                <a:pPr marL="91440"/>
+                <a:r>
+                  <a:rPr lang="en-GB" dirty="0">
+                    <a:solidFill>
+                      <a:schemeClr val="tx1"/>
+                    </a:solidFill>
+                  </a:rPr>
+                  <a:t>The Finance Tracker project is a web-based application designed to help users manage their income, expenses, and savings efficiently</a:t>
+                </a:r>
+              </a:p>
               <a:p>
                 <a:pPr marL="91440"/>
                 <a:endParaRPr lang="en-US" sz="1400" dirty="0">
@@ -9679,6 +9684,25 @@
               </a:lstStyle>
               <a:p>
                 <a:pPr marL="91440"/>
+                <a:endParaRPr lang="en-GB" dirty="0">
+                  <a:solidFill>
+                    <a:schemeClr val="tx1"/>
+                  </a:solidFill>
+                </a:endParaRPr>
+              </a:p>
+              <a:p>
+                <a:pPr marL="91440"/>
+                <a:r>
+                  <a:rPr lang="en-GB" dirty="0">
+                    <a:solidFill>
+                      <a:schemeClr val="tx1"/>
+                    </a:solidFill>
+                  </a:rPr>
+                  <a:t>The system integrates a React-based frontend with a Node.js and Express backend, storing data in a MongoDB atlas database</a:t>
+                </a:r>
+              </a:p>
+              <a:p>
+                <a:pPr marL="91440"/>
                 <a:endParaRPr lang="en-US" sz="1400" dirty="0">
                   <a:solidFill>
                     <a:schemeClr val="tx1"/>
@@ -10279,6 +10303,41 @@
               </a:lstStyle>
               <a:p>
                 <a:pPr marL="91440"/>
+                <a:endParaRPr lang="en-GB" dirty="0">
+                  <a:solidFill>
+                    <a:schemeClr val="tx1"/>
+                  </a:solidFill>
+                </a:endParaRPr>
+              </a:p>
+              <a:p>
+                <a:pPr marL="91440"/>
+                <a:r>
+                  <a:rPr lang="en-GB" dirty="0">
+                    <a:solidFill>
+                      <a:schemeClr val="tx1"/>
+                    </a:solidFill>
+                  </a:rPr>
+                  <a:t>It provides a user-friendly interface for tracking transactions, categorizing expenses, and </a:t>
+                </a:r>
+                <a:r>
+                  <a:rPr lang="en-GB" dirty="0" err="1">
+                    <a:solidFill>
+                      <a:schemeClr val="tx1"/>
+                    </a:solidFill>
+                  </a:rPr>
+                  <a:t>analyzing</a:t>
+                </a:r>
+                <a:r>
+                  <a:rPr lang="en-GB" dirty="0">
+                    <a:solidFill>
+                      <a:schemeClr val="tx1"/>
+                    </a:solidFill>
+                  </a:rPr>
+                  <a:t> financial trends.</a:t>
+                </a:r>
+              </a:p>
+              <a:p>
+                <a:pPr marL="91440"/>
                 <a:endParaRPr lang="en-US" sz="1400" dirty="0">
                   <a:solidFill>
                     <a:schemeClr val="tx1"/>
@@ -10881,6 +10940,25 @@
               </a:lstStyle>
               <a:p>
                 <a:pPr marL="91440"/>
+                <a:endParaRPr lang="en-GB" dirty="0">
+                  <a:solidFill>
+                    <a:schemeClr val="tx1"/>
+                  </a:solidFill>
+                </a:endParaRPr>
+              </a:p>
+              <a:p>
+                <a:pPr marL="91440"/>
+                <a:r>
+                  <a:rPr lang="en-GB" dirty="0">
+                    <a:solidFill>
+                      <a:schemeClr val="tx1"/>
+                    </a:solidFill>
+                  </a:rPr>
+                  <a:t>The goal of this project is to offer users a simple yet powerful tool for financial planning and decision-making</a:t>
+                </a:r>
+              </a:p>
+              <a:p>
+                <a:pPr marL="91440"/>
                 <a:endParaRPr lang="en-US" sz="1400" dirty="0">
                   <a:solidFill>
                     <a:schemeClr val="tx1"/>
@@ -11208,50 +11286,6 @@
           <a:chExt cx="0" cy="0"/>
         </a:xfrm>
       </p:grpSpPr>
-      <p:sp>
-        <p:nvSpPr>
-          <p:cNvPr id="9" name="TextBox 8">
-            <a:extLst>
-              <a:ext uri="{FF2B5EF4-FFF2-40B4-BE49-F238E27FC236}">
-                <a16:creationId xmlns:a16="http://schemas.microsoft.com/office/drawing/2014/main" id="{091B843F-6928-3290-2287-5FA1F531B685}"/>
-              </a:ext>
-            </a:extLst>
-          </p:cNvPr>
-          <p:cNvSpPr txBox="1"/>
-          <p:nvPr/>
-        </p:nvSpPr>
-        <p:spPr>
-          <a:xfrm>
-            <a:off x="142495" y="1284891"/>
-            <a:ext cx="5058525" cy="307777"/>
-          </a:xfrm>
-          <a:prstGeom prst="rect">
-            <a:avLst/>
-          </a:prstGeom>
-          <a:noFill/>
-        </p:spPr>
-        <p:txBody>
-          <a:bodyPr wrap="square" rtlCol="0">
-            <a:spAutoFit/>
-          </a:bodyPr>
-          <a:lstStyle/>
-          <a:p>
-            <a:pPr marL="173736" indent="-173736">
-              <a:spcAft>
-                <a:spcPts val="800"/>
-              </a:spcAft>
-              <a:buFont typeface="Arial" panose="020B0604020202020204" pitchFamily="34" charset="0"/>
-              <a:buChar char="•"/>
-            </a:pPr>
-            <a:r>
-              <a:rPr lang="en-IN" dirty="0">
-                <a:latin typeface="+mn-lt"/>
-              </a:rPr>
-              <a:t>XYZ</a:t>
-            </a:r>
-          </a:p>
-        </p:txBody>
-      </p:sp>
       <p:sp>
         <p:nvSpPr>
           <p:cNvPr id="2" name="TextBox 1">
@@ -11375,6 +11409,380 @@
           </p:spPr>
         </p:pic>
       </p:grpSp>
+      <p:sp>
+        <p:nvSpPr>
+          <p:cNvPr id="6" name="Rectangle 1">
+            <a:extLst>
+              <a:ext uri="{FF2B5EF4-FFF2-40B4-BE49-F238E27FC236}">
+                <a16:creationId xmlns:a16="http://schemas.microsoft.com/office/drawing/2014/main" id="{BB2960A1-05D7-8B1C-77A4-A35D2C071915}"/>
+              </a:ext>
+            </a:extLst>
+          </p:cNvPr>
+          <p:cNvSpPr>
+            <a:spLocks noChangeArrowheads="1"/>
+          </p:cNvSpPr>
+          <p:nvPr/>
+        </p:nvSpPr>
+        <p:spPr bwMode="auto">
+          <a:xfrm>
+            <a:off x="221381" y="1011326"/>
+            <a:ext cx="5192830" cy="3046988"/>
+          </a:xfrm>
+          <a:prstGeom prst="rect">
+            <a:avLst/>
+          </a:prstGeom>
+          <a:noFill/>
+          <a:ln>
+            <a:noFill/>
+          </a:ln>
+          <a:effectLst/>
+          <a:extLst>
+            <a:ext uri="{909E8E84-426E-40DD-AFC4-6F175D3DCCD1}">
+              <a14:hiddenFill xmlns:a14="http://schemas.microsoft.com/office/drawing/2010/main">
+                <a:solidFill>
+                  <a:schemeClr val="accent1"/>
+                </a:solidFill>
+              </a14:hiddenFill>
+            </a:ext>
+            <a:ext uri="{91240B29-F687-4F45-9708-019B960494DF}">
+              <a14:hiddenLine xmlns:a14="http://schemas.microsoft.com/office/drawing/2010/main" w="9525">
+                <a:solidFill>
+                  <a:schemeClr val="tx1"/>
+                </a:solidFill>
+                <a:miter lim="800000"/>
+                <a:headEnd/>
+                <a:tailEnd/>
+              </a14:hiddenLine>
+            </a:ext>
+            <a:ext uri="{AF507438-7753-43E0-B8FC-AC1667EBCBE1}">
+              <a14:hiddenEffects xmlns:a14="http://schemas.microsoft.com/office/drawing/2010/main">
+                <a:effectLst>
+                  <a:outerShdw dist="35921" dir="2700000" algn="ctr" rotWithShape="0">
+                    <a:schemeClr val="bg2"/>
+                  </a:outerShdw>
+                </a:effectLst>
+              </a14:hiddenEffects>
+            </a:ext>
+          </a:extLst>
+        </p:spPr>
+        <p:txBody>
+          <a:bodyPr vert="horz" wrap="square" lIns="91440" tIns="45720" rIns="91440" bIns="45720" numCol="1" anchor="ctr" anchorCtr="0" compatLnSpc="1">
+            <a:prstTxWarp prst="textNoShape">
+              <a:avLst/>
+            </a:prstTxWarp>
+            <a:spAutoFit/>
+          </a:bodyPr>
+          <a:lstStyle/>
+          <a:p>
+            <a:pPr marL="285750" marR="0" lvl="0" indent="-285750" algn="l" defTabSz="914400" rtl="0" eaLnBrk="0" fontAlgn="base" latinLnBrk="0" hangingPunct="0">
+              <a:lnSpc>
+                <a:spcPct val="100000"/>
+              </a:lnSpc>
+              <a:spcBef>
+                <a:spcPct val="0"/>
+              </a:spcBef>
+              <a:spcAft>
+                <a:spcPct val="0"/>
+              </a:spcAft>
+              <a:buClrTx/>
+              <a:buSzTx/>
+              <a:buFont typeface="Wingdings" panose="05000000000000000000" pitchFamily="2" charset="2"/>
+              <a:buChar char="§"/>
+              <a:tabLst/>
+            </a:pPr>
+            <a:endParaRPr kumimoji="0" lang="en-US" altLang="en-US" sz="1600" b="0" i="0" u="none" strike="noStrike" cap="none" normalizeH="0" baseline="0" dirty="0">
+              <a:ln>
+                <a:noFill/>
+              </a:ln>
+              <a:solidFill>
+                <a:schemeClr val="tx1"/>
+              </a:solidFill>
+              <a:effectLst/>
+              <a:latin typeface="Arial" panose="020B0604020202020204" pitchFamily="34" charset="0"/>
+            </a:endParaRPr>
+          </a:p>
+          <a:p>
+            <a:pPr marL="285750" marR="0" lvl="0" indent="-285750" algn="l" defTabSz="914400" rtl="0" eaLnBrk="0" fontAlgn="base" latinLnBrk="0" hangingPunct="0">
+              <a:lnSpc>
+                <a:spcPct val="100000"/>
+              </a:lnSpc>
+              <a:spcBef>
+                <a:spcPct val="0"/>
+              </a:spcBef>
+              <a:spcAft>
+                <a:spcPct val="0"/>
+              </a:spcAft>
+              <a:buClrTx/>
+              <a:buSzTx/>
+              <a:buFont typeface="Wingdings" panose="05000000000000000000" pitchFamily="2" charset="2"/>
+              <a:buChar char="§"/>
+              <a:tabLst/>
+            </a:pPr>
+            <a:r>
+              <a:rPr kumimoji="0" lang="en-US" altLang="en-US" sz="1600" b="0" i="0" u="none" strike="noStrike" cap="none" normalizeH="0" baseline="0" dirty="0">
+                <a:ln>
+                  <a:noFill/>
+                </a:ln>
+                <a:solidFill>
+                  <a:schemeClr val="tx1"/>
+                </a:solidFill>
+                <a:effectLst/>
+                <a:latin typeface="Arial" panose="020B0604020202020204" pitchFamily="34" charset="0"/>
+              </a:rPr>
+              <a:t>Many people struggle to manage their finances, leading to overspending and lack of savings. </a:t>
+            </a:r>
+          </a:p>
+          <a:p>
+            <a:pPr marL="285750" marR="0" lvl="0" indent="-285750" algn="l" defTabSz="914400" rtl="0" eaLnBrk="0" fontAlgn="base" latinLnBrk="0" hangingPunct="0">
+              <a:lnSpc>
+                <a:spcPct val="100000"/>
+              </a:lnSpc>
+              <a:spcBef>
+                <a:spcPct val="0"/>
+              </a:spcBef>
+              <a:spcAft>
+                <a:spcPct val="0"/>
+              </a:spcAft>
+              <a:buClrTx/>
+              <a:buSzTx/>
+              <a:buFont typeface="Wingdings" panose="05000000000000000000" pitchFamily="2" charset="2"/>
+              <a:buChar char="§"/>
+              <a:tabLst/>
+            </a:pPr>
+            <a:endParaRPr kumimoji="0" lang="en-US" altLang="en-US" sz="1600" b="0" i="0" u="none" strike="noStrike" cap="none" normalizeH="0" baseline="0" dirty="0">
+              <a:ln>
+                <a:noFill/>
+              </a:ln>
+              <a:solidFill>
+                <a:schemeClr val="tx1"/>
+              </a:solidFill>
+              <a:effectLst/>
+              <a:latin typeface="Arial" panose="020B0604020202020204" pitchFamily="34" charset="0"/>
+            </a:endParaRPr>
+          </a:p>
+          <a:p>
+            <a:pPr marL="285750" marR="0" lvl="0" indent="-285750" algn="l" defTabSz="914400" rtl="0" eaLnBrk="0" fontAlgn="base" latinLnBrk="0" hangingPunct="0">
+              <a:spcBef>
+                <a:spcPct val="0"/>
+              </a:spcBef>
+              <a:spcAft>
+                <a:spcPct val="0"/>
+              </a:spcAft>
+              <a:buClrTx/>
+              <a:buSzTx/>
+              <a:buFont typeface="Wingdings" panose="05000000000000000000" pitchFamily="2" charset="2"/>
+              <a:buChar char="§"/>
+              <a:tabLst/>
+            </a:pPr>
+            <a:r>
+              <a:rPr kumimoji="0" lang="en-US" altLang="en-US" sz="1600" b="0" i="0" u="none" strike="noStrike" cap="none" normalizeH="0" baseline="0" dirty="0">
+                <a:ln>
+                  <a:noFill/>
+                </a:ln>
+                <a:solidFill>
+                  <a:schemeClr val="tx1"/>
+                </a:solidFill>
+                <a:effectLst/>
+                <a:latin typeface="Arial" panose="020B0604020202020204" pitchFamily="34" charset="0"/>
+              </a:rPr>
+              <a:t>Existing finance tools are often complex, expensive, or lack customization. </a:t>
+            </a:r>
+          </a:p>
+          <a:p>
+            <a:pPr marL="285750" marR="0" lvl="0" indent="-285750" algn="l" defTabSz="914400" rtl="0" eaLnBrk="0" fontAlgn="base" latinLnBrk="0" hangingPunct="0">
+              <a:spcBef>
+                <a:spcPct val="0"/>
+              </a:spcBef>
+              <a:spcAft>
+                <a:spcPct val="0"/>
+              </a:spcAft>
+              <a:buClrTx/>
+              <a:buSzTx/>
+              <a:buFont typeface="Wingdings" panose="05000000000000000000" pitchFamily="2" charset="2"/>
+              <a:buChar char="§"/>
+              <a:tabLst/>
+            </a:pPr>
+            <a:endParaRPr kumimoji="0" lang="en-US" altLang="en-US" sz="1600" b="0" i="0" u="none" strike="noStrike" cap="none" normalizeH="0" baseline="0" dirty="0">
+              <a:ln>
+                <a:noFill/>
+              </a:ln>
+              <a:solidFill>
+                <a:schemeClr val="tx1"/>
+              </a:solidFill>
+              <a:effectLst/>
+              <a:latin typeface="Arial" panose="020B0604020202020204" pitchFamily="34" charset="0"/>
+            </a:endParaRPr>
+          </a:p>
+          <a:p>
+            <a:pPr marL="285750" marR="0" lvl="0" indent="-285750" algn="l" defTabSz="914400" rtl="0" eaLnBrk="0" fontAlgn="base" latinLnBrk="0" hangingPunct="0">
+              <a:lnSpc>
+                <a:spcPct val="100000"/>
+              </a:lnSpc>
+              <a:spcBef>
+                <a:spcPct val="0"/>
+              </a:spcBef>
+              <a:spcAft>
+                <a:spcPct val="0"/>
+              </a:spcAft>
+              <a:buClrTx/>
+              <a:buSzTx/>
+              <a:buFont typeface="Wingdings" panose="05000000000000000000" pitchFamily="2" charset="2"/>
+              <a:buChar char="§"/>
+              <a:tabLst/>
+            </a:pPr>
+            <a:r>
+              <a:rPr kumimoji="0" lang="en-US" altLang="en-US" sz="1600" b="0" i="0" u="none" strike="noStrike" cap="none" normalizeH="0" baseline="0" dirty="0">
+                <a:ln>
+                  <a:noFill/>
+                </a:ln>
+                <a:solidFill>
+                  <a:schemeClr val="tx1"/>
+                </a:solidFill>
+                <a:effectLst/>
+                <a:latin typeface="Arial" panose="020B0604020202020204" pitchFamily="34" charset="0"/>
+              </a:rPr>
+              <a:t>Our solution provides a </a:t>
+            </a:r>
+            <a:r>
+              <a:rPr kumimoji="0" lang="en-US" altLang="en-US" sz="1600" b="1" i="0" u="none" strike="noStrike" cap="none" normalizeH="0" baseline="0" dirty="0">
+                <a:ln>
+                  <a:noFill/>
+                </a:ln>
+                <a:solidFill>
+                  <a:schemeClr val="tx1"/>
+                </a:solidFill>
+                <a:effectLst/>
+                <a:latin typeface="Arial" panose="020B0604020202020204" pitchFamily="34" charset="0"/>
+              </a:rPr>
+              <a:t>simple, user-friendly</a:t>
+            </a:r>
+            <a:r>
+              <a:rPr kumimoji="0" lang="en-US" altLang="en-US" sz="1600" b="0" i="0" u="none" strike="noStrike" cap="none" normalizeH="0" baseline="0" dirty="0">
+                <a:ln>
+                  <a:noFill/>
+                </a:ln>
+                <a:solidFill>
+                  <a:schemeClr val="tx1"/>
+                </a:solidFill>
+                <a:effectLst/>
+                <a:latin typeface="Arial" panose="020B0604020202020204" pitchFamily="34" charset="0"/>
+              </a:rPr>
+              <a:t> finance tracking tool. </a:t>
+            </a:r>
+          </a:p>
+          <a:p>
+            <a:pPr marL="285750" marR="0" lvl="0" indent="-285750" algn="l" defTabSz="914400" rtl="0" eaLnBrk="0" fontAlgn="base" latinLnBrk="0" hangingPunct="0">
+              <a:lnSpc>
+                <a:spcPct val="100000"/>
+              </a:lnSpc>
+              <a:spcBef>
+                <a:spcPct val="0"/>
+              </a:spcBef>
+              <a:spcAft>
+                <a:spcPct val="0"/>
+              </a:spcAft>
+              <a:buClrTx/>
+              <a:buSzTx/>
+              <a:buFont typeface="Wingdings" panose="05000000000000000000" pitchFamily="2" charset="2"/>
+              <a:buChar char="§"/>
+              <a:tabLst/>
+            </a:pPr>
+            <a:endParaRPr kumimoji="0" lang="en-US" altLang="en-US" sz="1600" b="0" i="0" u="none" strike="noStrike" cap="none" normalizeH="0" baseline="0" dirty="0">
+              <a:ln>
+                <a:noFill/>
+              </a:ln>
+              <a:solidFill>
+                <a:schemeClr val="tx1"/>
+              </a:solidFill>
+              <a:effectLst/>
+              <a:latin typeface="Arial" panose="020B0604020202020204" pitchFamily="34" charset="0"/>
+            </a:endParaRPr>
+          </a:p>
+          <a:p>
+            <a:pPr marL="285750" marR="0" lvl="0" indent="-285750" algn="l" defTabSz="914400" rtl="0" eaLnBrk="0" fontAlgn="base" latinLnBrk="0" hangingPunct="0">
+              <a:lnSpc>
+                <a:spcPct val="100000"/>
+              </a:lnSpc>
+              <a:spcBef>
+                <a:spcPct val="0"/>
+              </a:spcBef>
+              <a:spcAft>
+                <a:spcPct val="0"/>
+              </a:spcAft>
+              <a:buClrTx/>
+              <a:buSzTx/>
+              <a:buFont typeface="Wingdings" panose="05000000000000000000" pitchFamily="2" charset="2"/>
+              <a:buChar char="§"/>
+              <a:tabLst/>
+            </a:pPr>
+            <a:r>
+              <a:rPr kumimoji="0" lang="en-US" altLang="en-US" sz="1600" b="0" i="0" u="none" strike="noStrike" cap="none" normalizeH="0" baseline="0" dirty="0">
+                <a:ln>
+                  <a:noFill/>
+                </a:ln>
+                <a:solidFill>
+                  <a:schemeClr val="tx1"/>
+                </a:solidFill>
+                <a:effectLst/>
+                <a:latin typeface="Arial" panose="020B0604020202020204" pitchFamily="34" charset="0"/>
+              </a:rPr>
+              <a:t>We focus on </a:t>
+            </a:r>
+            <a:r>
+              <a:rPr kumimoji="0" lang="en-US" altLang="en-US" sz="1600" b="1" i="0" u="none" strike="noStrike" cap="none" normalizeH="0" baseline="0" dirty="0">
+                <a:ln>
+                  <a:noFill/>
+                </a:ln>
+                <a:solidFill>
+                  <a:schemeClr val="tx1"/>
+                </a:solidFill>
+                <a:effectLst/>
+                <a:latin typeface="Arial" panose="020B0604020202020204" pitchFamily="34" charset="0"/>
+              </a:rPr>
+              <a:t>simplicity</a:t>
+            </a:r>
+            <a:r>
+              <a:rPr kumimoji="0" lang="en-US" altLang="en-US" sz="1600" b="0" i="0" u="none" strike="noStrike" cap="none" normalizeH="0" baseline="0" dirty="0">
+                <a:ln>
+                  <a:noFill/>
+                </a:ln>
+                <a:solidFill>
+                  <a:schemeClr val="tx1"/>
+                </a:solidFill>
+                <a:effectLst/>
+                <a:latin typeface="Arial" panose="020B0604020202020204" pitchFamily="34" charset="0"/>
+              </a:rPr>
+              <a:t> and include only </a:t>
+            </a:r>
+            <a:r>
+              <a:rPr kumimoji="0" lang="en-US" altLang="en-US" sz="1600" b="1" i="0" u="none" strike="noStrike" cap="none" normalizeH="0" baseline="0" dirty="0">
+                <a:ln>
+                  <a:noFill/>
+                </a:ln>
+                <a:solidFill>
+                  <a:schemeClr val="tx1"/>
+                </a:solidFill>
+                <a:effectLst/>
+                <a:latin typeface="Arial" panose="020B0604020202020204" pitchFamily="34" charset="0"/>
+              </a:rPr>
+              <a:t>essential features</a:t>
+            </a:r>
+            <a:r>
+              <a:rPr kumimoji="0" lang="en-US" altLang="en-US" sz="1600" b="0" i="0" u="none" strike="noStrike" cap="none" normalizeH="0" baseline="0" dirty="0">
+                <a:ln>
+                  <a:noFill/>
+                </a:ln>
+                <a:solidFill>
+                  <a:schemeClr val="tx1"/>
+                </a:solidFill>
+                <a:effectLst/>
+                <a:latin typeface="Arial" panose="020B0604020202020204" pitchFamily="34" charset="0"/>
+              </a:rPr>
+              <a:t>, avoiding unnecessary complexity. </a:t>
+            </a:r>
+          </a:p>
+        </p:txBody>
+      </p:sp>
     </p:spTree>
     <p:extLst>
       <p:ext uri="{BB962C8B-B14F-4D97-AF65-F5344CB8AC3E}">
@@ -11464,7 +11872,7 @@
         <p:spPr>
           <a:xfrm>
             <a:off x="143805" y="1142014"/>
-            <a:ext cx="5055021" cy="307777"/>
+            <a:ext cx="4976835" cy="3607206"/>
           </a:xfrm>
           <a:prstGeom prst="rect">
             <a:avLst/>
@@ -11477,19 +11885,116 @@
           </a:bodyPr>
           <a:lstStyle/>
           <a:p>
+            <a:pPr>
+              <a:lnSpc>
+                <a:spcPct val="150000"/>
+              </a:lnSpc>
+            </a:pPr>
+            <a:r>
+              <a:rPr lang="en-GB" b="1" dirty="0"/>
+              <a:t>The Finance Tracker application allows users to:</a:t>
+            </a:r>
+          </a:p>
+          <a:p>
+            <a:pPr>
+              <a:lnSpc>
+                <a:spcPct val="150000"/>
+              </a:lnSpc>
+            </a:pPr>
+            <a:endParaRPr lang="en-GB" b="1" dirty="0"/>
+          </a:p>
+          <a:p>
+            <a:pPr>
+              <a:lnSpc>
+                <a:spcPct val="150000"/>
+              </a:lnSpc>
+              <a:buFont typeface="Arial" panose="020B0604020202020204" pitchFamily="34" charset="0"/>
+              <a:buChar char="•"/>
+            </a:pPr>
+            <a:r>
+              <a:rPr lang="en-GB" dirty="0"/>
+              <a:t>Add, edit, and delete income and expense transactions.</a:t>
+            </a:r>
+          </a:p>
+          <a:p>
+            <a:pPr>
+              <a:lnSpc>
+                <a:spcPct val="150000"/>
+              </a:lnSpc>
+              <a:buFont typeface="Arial" panose="020B0604020202020204" pitchFamily="34" charset="0"/>
+              <a:buChar char="•"/>
+            </a:pPr>
+            <a:r>
+              <a:rPr lang="en-GB" dirty="0"/>
+              <a:t>Categorize transactions for better analysis.</a:t>
+            </a:r>
+          </a:p>
+          <a:p>
+            <a:pPr>
+              <a:lnSpc>
+                <a:spcPct val="150000"/>
+              </a:lnSpc>
+              <a:buFont typeface="Arial" panose="020B0604020202020204" pitchFamily="34" charset="0"/>
+              <a:buChar char="•"/>
+            </a:pPr>
+            <a:r>
+              <a:rPr lang="en-GB" dirty="0"/>
+              <a:t>View financial summaries and analytics.</a:t>
+            </a:r>
+          </a:p>
+          <a:p>
+            <a:pPr>
+              <a:lnSpc>
+                <a:spcPct val="150000"/>
+              </a:lnSpc>
+              <a:buFont typeface="Arial" panose="020B0604020202020204" pitchFamily="34" charset="0"/>
+              <a:buChar char="•"/>
+            </a:pPr>
+            <a:r>
+              <a:rPr lang="en-GB" dirty="0"/>
+              <a:t>Securely store financial data using MongoDB.</a:t>
+            </a:r>
+          </a:p>
+          <a:p>
+            <a:pPr>
+              <a:lnSpc>
+                <a:spcPct val="150000"/>
+              </a:lnSpc>
+              <a:buFont typeface="Arial" panose="020B0604020202020204" pitchFamily="34" charset="0"/>
+              <a:buChar char="•"/>
+            </a:pPr>
+            <a:endParaRPr lang="en-GB" dirty="0"/>
+          </a:p>
+          <a:p>
+            <a:pPr>
+              <a:lnSpc>
+                <a:spcPct val="150000"/>
+              </a:lnSpc>
+            </a:pPr>
+            <a:r>
+              <a:rPr lang="en-GB" dirty="0"/>
+              <a:t>The application follows the </a:t>
+            </a:r>
+            <a:r>
+              <a:rPr lang="en-GB" b="1" dirty="0"/>
+              <a:t>MERN</a:t>
+            </a:r>
+            <a:r>
+              <a:rPr lang="en-GB" dirty="0"/>
+              <a:t> (MongoDB Atlas, Express, React, Node.js) stack for seamless interaction between the frontend and backend.</a:t>
+            </a:r>
+          </a:p>
+          <a:p>
             <a:pPr marL="173736" indent="-173736">
+              <a:lnSpc>
+                <a:spcPct val="150000"/>
+              </a:lnSpc>
               <a:spcAft>
                 <a:spcPts val="800"/>
               </a:spcAft>
               <a:buFont typeface="Arial" panose="020B0604020202020204" pitchFamily="34" charset="0"/>
               <a:buChar char="•"/>
             </a:pPr>
-            <a:r>
-              <a:rPr lang="en-US" b="1" dirty="0">
-                <a:latin typeface="+mn-lt"/>
-              </a:rPr>
-              <a:t>XYZ</a:t>
-            </a:r>
             <a:endParaRPr lang="en-US" dirty="0">
               <a:latin typeface="+mn-lt"/>
             </a:endParaRPr>
@@ -11614,7 +12119,7 @@
         <p:spPr>
           <a:xfrm>
             <a:off x="126996" y="1134562"/>
-            <a:ext cx="8466813" cy="307777"/>
+            <a:ext cx="8466813" cy="2113399"/>
           </a:xfrm>
           <a:prstGeom prst="rect">
             <a:avLst/>
@@ -11627,19 +12132,79 @@
           </a:bodyPr>
           <a:lstStyle/>
           <a:p>
-            <a:pPr marL="173736" indent="-173736">
+            <a:pPr>
               <a:spcAft>
                 <a:spcPts val="800"/>
               </a:spcAft>
-              <a:buFont typeface="Arial" panose="020B0604020202020204" pitchFamily="34" charset="0"/>
-              <a:buChar char="•"/>
             </a:pPr>
             <a:r>
-              <a:rPr lang="en-US" dirty="0">
-                <a:latin typeface="+mn-lt"/>
-              </a:rPr>
-              <a:t>XYZ</a:t>
+              <a:rPr lang="en-GB" dirty="0"/>
+              <a:t>To overcome financial tracking difficulties, the proposed solution is a full-stack web application that provides:</a:t>
             </a:r>
+          </a:p>
+          <a:p>
+            <a:pPr marL="285750" indent="-285750">
+              <a:spcAft>
+                <a:spcPts val="800"/>
+              </a:spcAft>
+              <a:buFont typeface="Wingdings" panose="05000000000000000000" pitchFamily="2" charset="2"/>
+              <a:buChar char="§"/>
+            </a:pPr>
+            <a:r>
+              <a:rPr lang="en-GB" dirty="0"/>
+              <a:t>A modern, responsive UI developed with React and Bootstrap.</a:t>
+            </a:r>
+          </a:p>
+          <a:p>
+            <a:pPr marL="285750" indent="-285750">
+              <a:spcAft>
+                <a:spcPts val="800"/>
+              </a:spcAft>
+              <a:buFont typeface="Wingdings" panose="05000000000000000000" pitchFamily="2" charset="2"/>
+              <a:buChar char="§"/>
+            </a:pPr>
+            <a:r>
+              <a:rPr lang="en-GB" dirty="0"/>
+              <a:t>A robust backend using Node.js and Express for managing transactions.</a:t>
+            </a:r>
+          </a:p>
+          <a:p>
+            <a:pPr marL="285750" indent="-285750">
+              <a:spcAft>
+                <a:spcPts val="800"/>
+              </a:spcAft>
+              <a:buFont typeface="Wingdings" panose="05000000000000000000" pitchFamily="2" charset="2"/>
+              <a:buChar char="§"/>
+            </a:pPr>
+            <a:r>
+              <a:rPr lang="en-GB" dirty="0"/>
+              <a:t>API communication using Axios to fetch and update data in real time.</a:t>
+            </a:r>
+          </a:p>
+          <a:p>
+            <a:pPr marL="285750" indent="-285750">
+              <a:spcAft>
+                <a:spcPts val="800"/>
+              </a:spcAft>
+              <a:buFont typeface="Wingdings" panose="05000000000000000000" pitchFamily="2" charset="2"/>
+              <a:buChar char="§"/>
+            </a:pPr>
+            <a:r>
+              <a:rPr lang="en-GB" dirty="0"/>
+              <a:t>Secure and efficient data handling with MongoDB</a:t>
+            </a:r>
+          </a:p>
+          <a:p>
+            <a:pPr marL="285750" indent="-285750">
+              <a:spcAft>
+                <a:spcPts val="800"/>
+              </a:spcAft>
+              <a:buFont typeface="Wingdings" panose="05000000000000000000" pitchFamily="2" charset="2"/>
+              <a:buChar char="§"/>
+            </a:pPr>
+            <a:endParaRPr lang="en-US" dirty="0">
+              <a:latin typeface="+mn-lt"/>
+            </a:endParaRPr>
           </a:p>
         </p:txBody>
       </p:sp>
@@ -11717,50 +12282,53 @@
           </a:p>
         </p:txBody>
       </p:sp>
-      <p:sp>
-        <p:nvSpPr>
-          <p:cNvPr id="3" name="TextBox 2">
+      <p:pic>
+        <p:nvPicPr>
+          <p:cNvPr id="2050" name="Picture 2" descr="MERN Stack Course training - AchieversIT">
             <a:extLst>
               <a:ext uri="{FF2B5EF4-FFF2-40B4-BE49-F238E27FC236}">
-                <a16:creationId xmlns:a16="http://schemas.microsoft.com/office/drawing/2014/main" id="{A111D00F-E3D6-896E-4001-492D6D1DC85F}"/>
+                <a16:creationId xmlns:a16="http://schemas.microsoft.com/office/drawing/2014/main" id="{33709339-2EAF-CF09-BCD9-CE581B9EF16E}"/>
               </a:ext>
             </a:extLst>
           </p:cNvPr>
-          <p:cNvSpPr txBox="1"/>
+          <p:cNvPicPr>
+            <a:picLocks noChangeAspect="1" noChangeArrowheads="1"/>
+          </p:cNvPicPr>
           <p:nvPr/>
-        </p:nvSpPr>
-        <p:spPr>
+        </p:nvPicPr>
+        <p:blipFill>
+          <a:blip r:embed="rId3">
+            <a:extLst>
+              <a:ext uri="{28A0092B-C50C-407E-A947-70E740481C1C}">
+                <a14:useLocalDpi xmlns:a14="http://schemas.microsoft.com/office/drawing/2010/main" val="0"/>
+              </a:ext>
+            </a:extLst>
+          </a:blip>
+          <a:srcRect/>
+          <a:stretch>
+            <a:fillRect/>
+          </a:stretch>
+        </p:blipFill>
+        <p:spPr bwMode="auto">
           <a:xfrm>
-            <a:off x="406562" y="1083221"/>
-            <a:ext cx="4445003" cy="307777"/>
+            <a:off x="2772740" y="1168833"/>
+            <a:ext cx="3393982" cy="2845150"/>
           </a:xfrm>
           <a:prstGeom prst="rect">
             <a:avLst/>
           </a:prstGeom>
           <a:noFill/>
+          <a:extLst>
+            <a:ext uri="{909E8E84-426E-40DD-AFC4-6F175D3DCCD1}">
+              <a14:hiddenFill xmlns:a14="http://schemas.microsoft.com/office/drawing/2010/main">
+                <a:solidFill>
+                  <a:srgbClr val="FFFFFF"/>
+                </a:solidFill>
+              </a14:hiddenFill>
+            </a:ext>
+          </a:extLst>
         </p:spPr>
-        <p:txBody>
-          <a:bodyPr wrap="square" rtlCol="0">
-            <a:spAutoFit/>
-          </a:bodyPr>
-          <a:lstStyle/>
-          <a:p>
-            <a:pPr marL="173736" indent="-173736">
-              <a:spcAft>
-                <a:spcPts val="800"/>
-              </a:spcAft>
-              <a:buFont typeface="Arial" panose="020B0604020202020204" pitchFamily="34" charset="0"/>
-              <a:buChar char="•"/>
-            </a:pPr>
-            <a:r>
-              <a:rPr lang="en-US" dirty="0">
-                <a:latin typeface="+mn-lt"/>
-              </a:rPr>
-              <a:t>XYZ	</a:t>
-            </a:r>
-          </a:p>
-        </p:txBody>
-      </p:sp>
+      </p:pic>
     </p:spTree>
     <p:extLst>
       <p:ext uri="{BB962C8B-B14F-4D97-AF65-F5344CB8AC3E}">
@@ -11830,60 +12398,36 @@
           </a:p>
         </p:txBody>
       </p:sp>
-      <p:sp>
-        <p:nvSpPr>
-          <p:cNvPr id="6" name="Rectangle 5">
+      <p:pic>
+        <p:nvPicPr>
+          <p:cNvPr id="3" name="Picture 2">
             <a:extLst>
               <a:ext uri="{FF2B5EF4-FFF2-40B4-BE49-F238E27FC236}">
-                <a16:creationId xmlns:a16="http://schemas.microsoft.com/office/drawing/2014/main" id="{7FA9338F-AACC-33B6-0BE4-39F9AFBABE18}"/>
+                <a16:creationId xmlns:a16="http://schemas.microsoft.com/office/drawing/2014/main" id="{538DCC60-0C11-3640-8F65-4F904FF64421}"/>
               </a:ext>
             </a:extLst>
           </p:cNvPr>
-          <p:cNvSpPr/>
+          <p:cNvPicPr>
+            <a:picLocks noChangeAspect="1"/>
+          </p:cNvPicPr>
           <p:nvPr/>
-        </p:nvSpPr>
+        </p:nvPicPr>
+        <p:blipFill>
+          <a:blip r:embed="rId3"/>
+          <a:stretch>
+            <a:fillRect/>
+          </a:stretch>
+        </p:blipFill>
         <p:spPr>
           <a:xfrm>
-            <a:off x="1456841" y="1243419"/>
-            <a:ext cx="6548034" cy="3483567"/>
+            <a:off x="1728545" y="1122769"/>
+            <a:ext cx="5686909" cy="3511127"/>
           </a:xfrm>
           <a:prstGeom prst="rect">
             <a:avLst/>
           </a:prstGeom>
-          <a:noFill/>
-          <a:ln w="12700">
-            <a:solidFill>
-              <a:schemeClr val="bg1">
-                <a:lumMod val="85000"/>
-              </a:schemeClr>
-            </a:solidFill>
-          </a:ln>
         </p:spPr>
-        <p:style>
-          <a:lnRef idx="2">
-            <a:schemeClr val="accent1">
-              <a:shade val="15000"/>
-            </a:schemeClr>
-          </a:lnRef>
-          <a:fillRef idx="1">
-            <a:schemeClr val="accent1"/>
-          </a:fillRef>
-          <a:effectRef idx="0">
-            <a:schemeClr val="accent1"/>
-          </a:effectRef>
-          <a:fontRef idx="minor">
-            <a:schemeClr val="lt1"/>
-          </a:fontRef>
-        </p:style>
-        <p:txBody>
-          <a:bodyPr rtlCol="0" anchor="ctr"/>
-          <a:lstStyle/>
-          <a:p>
-            <a:pPr algn="ctr"/>
-            <a:endParaRPr lang="en-IN"/>
-          </a:p>
-        </p:txBody>
-      </p:sp>
+      </p:pic>
     </p:spTree>
     <p:extLst>
       <p:ext uri="{BB962C8B-B14F-4D97-AF65-F5344CB8AC3E}">
@@ -11953,57 +12497,98 @@
           </a:p>
         </p:txBody>
       </p:sp>
-      <p:sp>
-        <p:nvSpPr>
-          <p:cNvPr id="6" name="Rectangle 5">
+      <p:pic>
+        <p:nvPicPr>
+          <p:cNvPr id="4" name="Picture 3">
             <a:extLst>
               <a:ext uri="{FF2B5EF4-FFF2-40B4-BE49-F238E27FC236}">
-                <a16:creationId xmlns:a16="http://schemas.microsoft.com/office/drawing/2014/main" id="{1EB6817C-45F9-AD85-58BC-71A72E68826B}"/>
+                <a16:creationId xmlns:a16="http://schemas.microsoft.com/office/drawing/2014/main" id="{C64F9ABA-5744-54A7-35CA-2BF5306C52C1}"/>
               </a:ext>
             </a:extLst>
           </p:cNvPr>
-          <p:cNvSpPr/>
+          <p:cNvPicPr>
+            <a:picLocks noChangeAspect="1"/>
+          </p:cNvPicPr>
+          <p:nvPr/>
+        </p:nvPicPr>
+        <p:blipFill>
+          <a:blip r:embed="rId3"/>
+          <a:stretch>
+            <a:fillRect/>
+          </a:stretch>
+        </p:blipFill>
+        <p:spPr>
+          <a:xfrm>
+            <a:off x="282900" y="1103719"/>
+            <a:ext cx="6444600" cy="3483567"/>
+          </a:xfrm>
+          <a:prstGeom prst="rect">
+            <a:avLst/>
+          </a:prstGeom>
+        </p:spPr>
+      </p:pic>
+      <p:sp>
+        <p:nvSpPr>
+          <p:cNvPr id="7" name="TextBox 6">
+            <a:extLst>
+              <a:ext uri="{FF2B5EF4-FFF2-40B4-BE49-F238E27FC236}">
+                <a16:creationId xmlns:a16="http://schemas.microsoft.com/office/drawing/2014/main" id="{E18C81EF-E4BA-BF85-5AE5-9D8D75A980DE}"/>
+              </a:ext>
+            </a:extLst>
+          </p:cNvPr>
+          <p:cNvSpPr txBox="1"/>
           <p:nvPr/>
         </p:nvSpPr>
         <p:spPr>
           <a:xfrm>
-            <a:off x="1456841" y="1243419"/>
-            <a:ext cx="6548034" cy="3483567"/>
+            <a:off x="7203750" y="1365064"/>
+            <a:ext cx="1657350" cy="2960875"/>
           </a:xfrm>
           <a:prstGeom prst="rect">
             <a:avLst/>
           </a:prstGeom>
           <a:noFill/>
-          <a:ln w="12700">
-            <a:solidFill>
-              <a:schemeClr val="bg1">
-                <a:lumMod val="85000"/>
-              </a:schemeClr>
-            </a:solidFill>
-          </a:ln>
         </p:spPr>
-        <p:style>
-          <a:lnRef idx="2">
-            <a:schemeClr val="accent1">
-              <a:shade val="15000"/>
-            </a:schemeClr>
-          </a:lnRef>
-          <a:fillRef idx="1">
-            <a:schemeClr val="accent1"/>
-          </a:fillRef>
-          <a:effectRef idx="0">
-            <a:schemeClr val="accent1"/>
-          </a:effectRef>
-          <a:fontRef idx="minor">
-            <a:schemeClr val="lt1"/>
-          </a:fontRef>
-        </p:style>
         <p:txBody>
-          <a:bodyPr rtlCol="0" anchor="ctr"/>
+          <a:bodyPr wrap="square">
+            <a:spAutoFit/>
+          </a:bodyPr>
           <a:lstStyle/>
           <a:p>
-            <a:pPr algn="ctr"/>
-            <a:endParaRPr lang="en-IN"/>
+            <a:pPr marL="285750" indent="-285750">
+              <a:lnSpc>
+                <a:spcPct val="150000"/>
+              </a:lnSpc>
+              <a:buFont typeface="Wingdings" panose="05000000000000000000" pitchFamily="2" charset="2"/>
+              <a:buChar char="§"/>
+            </a:pPr>
+            <a:r>
+              <a:rPr lang="en-GB" dirty="0"/>
+              <a:t>Successful CRUD operations on financial transactions.</a:t>
+            </a:r>
+          </a:p>
+          <a:p>
+            <a:pPr marL="285750" indent="-285750">
+              <a:lnSpc>
+                <a:spcPct val="150000"/>
+              </a:lnSpc>
+              <a:buFont typeface="Wingdings" panose="05000000000000000000" pitchFamily="2" charset="2"/>
+              <a:buChar char="§"/>
+            </a:pPr>
+            <a:endParaRPr lang="en-GB" dirty="0"/>
+          </a:p>
+          <a:p>
+            <a:pPr marL="285750" indent="-285750">
+              <a:lnSpc>
+                <a:spcPct val="150000"/>
+              </a:lnSpc>
+              <a:buFont typeface="Wingdings" panose="05000000000000000000" pitchFamily="2" charset="2"/>
+              <a:buChar char="§"/>
+            </a:pPr>
+            <a:r>
+              <a:rPr lang="en-GB" dirty="0"/>
+              <a:t>Responsive and intuitive user interface.</a:t>
+            </a:r>
           </a:p>
         </p:txBody>
       </p:sp>
